--- a/spring12/slidesS12/dags.pptx
+++ b/spring12/slidesS12/dags.pptx
@@ -5,10 +5,10 @@
     <p:sldMasterId id="2147483650" r:id="rId1"/>
   </p:sldMasterIdLst>
   <p:notesMasterIdLst>
-    <p:notesMasterId r:id="rId21"/>
+    <p:notesMasterId r:id="rId20"/>
   </p:notesMasterIdLst>
   <p:handoutMasterIdLst>
-    <p:handoutMasterId r:id="rId22"/>
+    <p:handoutMasterId r:id="rId21"/>
   </p:handoutMasterIdLst>
   <p:sldIdLst>
     <p:sldId id="462" r:id="rId2"/>
@@ -29,12 +29,11 @@
     <p:sldId id="557" r:id="rId17"/>
     <p:sldId id="500" r:id="rId18"/>
     <p:sldId id="513" r:id="rId19"/>
-    <p:sldId id="515" r:id="rId20"/>
   </p:sldIdLst>
   <p:sldSz cx="9144000" cy="6858000" type="letter"/>
-  <p:notesSz cx="7315200" cy="9601200"/>
+  <p:notesSz cx="9601200" cy="7315200"/>
   <p:custDataLst>
-    <p:tags r:id="rId24"/>
+    <p:tags r:id="rId23"/>
   </p:custDataLst>
   <p:defaultTextStyle>
     <a:defPPr>
@@ -208,7 +207,7 @@
         <p:spPr bwMode="auto">
           <a:xfrm>
             <a:off x="0" y="0"/>
-            <a:ext cx="3168650" cy="479425"/>
+            <a:ext cx="4158853" cy="365276"/>
           </a:xfrm>
           <a:prstGeom prst="rect">
             <a:avLst/>
@@ -250,8 +249,8 @@
         </p:nvSpPr>
         <p:spPr bwMode="auto">
           <a:xfrm>
-            <a:off x="4144963" y="0"/>
-            <a:ext cx="3168650" cy="479425"/>
+            <a:off x="5440264" y="0"/>
+            <a:ext cx="4158853" cy="365276"/>
           </a:xfrm>
           <a:prstGeom prst="rect">
             <a:avLst/>
@@ -293,8 +292,8 @@
         </p:nvSpPr>
         <p:spPr bwMode="auto">
           <a:xfrm>
-            <a:off x="0" y="9120188"/>
-            <a:ext cx="3168650" cy="479425"/>
+            <a:off x="0" y="6948715"/>
+            <a:ext cx="4158853" cy="365276"/>
           </a:xfrm>
           <a:prstGeom prst="rect">
             <a:avLst/>
@@ -336,8 +335,8 @@
         </p:nvSpPr>
         <p:spPr bwMode="auto">
           <a:xfrm>
-            <a:off x="4144963" y="9120188"/>
-            <a:ext cx="3168650" cy="479425"/>
+            <a:off x="5440264" y="6948715"/>
+            <a:ext cx="4158853" cy="365276"/>
           </a:xfrm>
           <a:prstGeom prst="rect">
             <a:avLst/>
@@ -421,7 +420,7 @@
         <p:spPr bwMode="auto">
           <a:xfrm>
             <a:off x="0" y="0"/>
-            <a:ext cx="3168650" cy="479425"/>
+            <a:ext cx="4158853" cy="365276"/>
           </a:xfrm>
           <a:prstGeom prst="rect">
             <a:avLst/>
@@ -463,8 +462,8 @@
         </p:nvSpPr>
         <p:spPr bwMode="auto">
           <a:xfrm>
-            <a:off x="4146550" y="0"/>
-            <a:ext cx="3168650" cy="479425"/>
+            <a:off x="5442347" y="0"/>
+            <a:ext cx="4158853" cy="365276"/>
           </a:xfrm>
           <a:prstGeom prst="rect">
             <a:avLst/>
@@ -506,8 +505,8 @@
         </p:nvSpPr>
         <p:spPr bwMode="auto">
           <a:xfrm>
-            <a:off x="1258888" y="720725"/>
-            <a:ext cx="4800600" cy="3600450"/>
+            <a:off x="2973388" y="549275"/>
+            <a:ext cx="3659187" cy="2743200"/>
           </a:xfrm>
           <a:prstGeom prst="rect">
             <a:avLst/>
@@ -536,8 +535,8 @@
         </p:nvSpPr>
         <p:spPr bwMode="auto">
           <a:xfrm>
-            <a:off x="974725" y="4559300"/>
-            <a:ext cx="5365750" cy="4321175"/>
+            <a:off x="1279327" y="3473753"/>
+            <a:ext cx="7042547" cy="3292324"/>
           </a:xfrm>
           <a:prstGeom prst="rect">
             <a:avLst/>
@@ -607,8 +606,8 @@
         </p:nvSpPr>
         <p:spPr bwMode="auto">
           <a:xfrm>
-            <a:off x="0" y="9121775"/>
-            <a:ext cx="3168650" cy="479425"/>
+            <a:off x="0" y="6949924"/>
+            <a:ext cx="4158853" cy="365276"/>
           </a:xfrm>
           <a:prstGeom prst="rect">
             <a:avLst/>
@@ -650,8 +649,8 @@
         </p:nvSpPr>
         <p:spPr bwMode="auto">
           <a:xfrm>
-            <a:off x="4146550" y="9121775"/>
-            <a:ext cx="3168650" cy="479425"/>
+            <a:off x="5442347" y="6949924"/>
+            <a:ext cx="4158853" cy="365276"/>
           </a:xfrm>
           <a:prstGeom prst="rect">
             <a:avLst/>
@@ -958,8 +957,8 @@
         </p:nvSpPr>
         <p:spPr>
           <a:xfrm>
-            <a:off x="1258888" y="720725"/>
-            <a:ext cx="4800600" cy="3600450"/>
+            <a:off x="2973388" y="549275"/>
+            <a:ext cx="3659187" cy="2743200"/>
           </a:xfrm>
           <a:ln/>
         </p:spPr>
@@ -1134,8 +1133,8 @@
         </p:nvSpPr>
         <p:spPr>
           <a:xfrm>
-            <a:off x="1258888" y="720725"/>
-            <a:ext cx="4800600" cy="3600450"/>
+            <a:off x="2973388" y="549275"/>
+            <a:ext cx="3659187" cy="2743200"/>
           </a:xfrm>
           <a:ln/>
         </p:spPr>
@@ -1726,8 +1725,8 @@
         </p:nvSpPr>
         <p:spPr>
           <a:xfrm>
-            <a:off x="1258888" y="720725"/>
-            <a:ext cx="4800600" cy="3600450"/>
+            <a:off x="2973388" y="549275"/>
+            <a:ext cx="3659187" cy="2743200"/>
           </a:xfrm>
           <a:ln/>
         </p:spPr>
@@ -1818,8 +1817,8 @@
         </p:nvSpPr>
         <p:spPr>
           <a:xfrm>
-            <a:off x="1258888" y="720725"/>
-            <a:ext cx="4800600" cy="3600450"/>
+            <a:off x="2973388" y="549275"/>
+            <a:ext cx="3659187" cy="2743200"/>
           </a:xfrm>
           <a:ln/>
         </p:spPr>
@@ -2017,7 +2016,11 @@
             </a:r>
             <a:r>
               <a:rPr lang="en-US" dirty="0" smtClean="0"/>
-              <a:t> 7M.</a:t>
+              <a:t> </a:t>
+            </a:r>
+            <a:r>
+              <a:rPr lang="en-US" dirty="0" smtClean="0"/>
+              <a:t>6W.</a:t>
             </a:r>
             <a:fld id="{D7F2FC53-1536-41A9-A9C1-2199CF803E30}" type="slidenum">
               <a:rPr lang="en-US" smtClean="0"/>
@@ -2189,7 +2192,11 @@
             </a:r>
             <a:r>
               <a:rPr lang="en-US" dirty="0" smtClean="0"/>
-              <a:t> 7M.</a:t>
+              <a:t> </a:t>
+            </a:r>
+            <a:r>
+              <a:rPr lang="en-US" dirty="0" smtClean="0"/>
+              <a:t>6W.</a:t>
             </a:r>
             <a:fld id="{D7F2FC53-1536-41A9-A9C1-2199CF803E30}" type="slidenum">
               <a:rPr lang="en-US" smtClean="0"/>
@@ -2383,7 +2390,11 @@
             </a:r>
             <a:r>
               <a:rPr lang="en-US" dirty="0" smtClean="0"/>
-              <a:t> 7M.</a:t>
+              <a:t> </a:t>
+            </a:r>
+            <a:r>
+              <a:rPr lang="en-US" dirty="0" smtClean="0"/>
+              <a:t>6W.</a:t>
             </a:r>
             <a:fld id="{D7F2FC53-1536-41A9-A9C1-2199CF803E30}" type="slidenum">
               <a:rPr lang="en-US" smtClean="0"/>
@@ -2503,7 +2514,11 @@
             </a:r>
             <a:r>
               <a:rPr lang="en-US" dirty="0" smtClean="0"/>
-              <a:t> 7M.</a:t>
+              <a:t> </a:t>
+            </a:r>
+            <a:r>
+              <a:rPr lang="en-US" dirty="0" smtClean="0"/>
+              <a:t>6W.</a:t>
             </a:r>
             <a:fld id="{D7F2FC53-1536-41A9-A9C1-2199CF803E30}" type="slidenum">
               <a:rPr lang="en-US" smtClean="0"/>
@@ -2600,7 +2615,11 @@
             </a:r>
             <a:r>
               <a:rPr lang="en-US" dirty="0" smtClean="0"/>
-              <a:t> 7M.</a:t>
+              <a:t> </a:t>
+            </a:r>
+            <a:r>
+              <a:rPr lang="en-US" dirty="0" smtClean="0"/>
+              <a:t>6W.</a:t>
             </a:r>
             <a:fld id="{D7F2FC53-1536-41A9-A9C1-2199CF803E30}" type="slidenum">
               <a:rPr lang="en-US" smtClean="0"/>
@@ -2855,7 +2874,11 @@
             </a:r>
             <a:r>
               <a:rPr lang="en-US" dirty="0" smtClean="0"/>
-              <a:t> 7M.</a:t>
+              <a:t> </a:t>
+            </a:r>
+            <a:r>
+              <a:rPr lang="en-US" dirty="0" smtClean="0"/>
+              <a:t>6W.</a:t>
             </a:r>
             <a:fld id="{D7F2FC53-1536-41A9-A9C1-2199CF803E30}" type="slidenum">
               <a:rPr lang="en-US" smtClean="0"/>
@@ -3163,7 +3186,22 @@
                 <a:uFillTx/>
                 <a:latin typeface="Comic Sans MS" pitchFamily="66" charset="0"/>
               </a:rPr>
-              <a:t>Albert R Meyer       October 17, 2011</a:t>
+              <a:t>Albert R Meyer       </a:t>
+            </a:r>
+            <a:r>
+              <a:rPr kumimoji="0" lang="en-US" sz="1200" b="0" i="0" u="none" strike="noStrike" kern="1200" cap="none" spc="0" normalizeH="0" baseline="0" noProof="0" dirty="0" smtClean="0">
+                <a:ln>
+                  <a:noFill/>
+                </a:ln>
+                <a:solidFill>
+                  <a:schemeClr val="tx1"/>
+                </a:solidFill>
+                <a:effectLst/>
+                <a:uLnTx/>
+                <a:uFillTx/>
+                <a:latin typeface="Comic Sans MS" pitchFamily="66" charset="0"/>
+              </a:rPr>
+              <a:t>March 14, 2012</a:t>
             </a:r>
             <a:endParaRPr kumimoji="0" lang="en-US" sz="1200" b="0" i="0" u="none" strike="noStrike" kern="1200" cap="none" spc="0" normalizeH="0" baseline="0" noProof="0" dirty="0">
               <a:ln>
@@ -3192,8 +3230,8 @@
         </p:nvSpPr>
         <p:spPr bwMode="auto">
           <a:xfrm>
-            <a:off x="8272827" y="6553200"/>
-            <a:ext cx="823550" cy="246221"/>
+            <a:off x="8252727" y="6553200"/>
+            <a:ext cx="843650" cy="246221"/>
           </a:xfrm>
           <a:prstGeom prst="rect">
             <a:avLst/>
@@ -3232,7 +3270,11 @@
             </a:r>
             <a:r>
               <a:rPr lang="en-US" dirty="0" smtClean="0"/>
-              <a:t> 7M.</a:t>
+              <a:t> </a:t>
+            </a:r>
+            <a:r>
+              <a:rPr lang="en-US" dirty="0" smtClean="0"/>
+              <a:t>6W.</a:t>
             </a:r>
             <a:fld id="{D7F2FC53-1536-41A9-A9C1-2199CF803E30}" type="slidenum">
               <a:rPr lang="en-US" smtClean="0"/>
@@ -3920,7 +3962,7 @@
               <a:rPr lang="en-US" sz="1000" dirty="0" smtClean="0">
                 <a:latin typeface="+mj-lt"/>
               </a:rPr>
-              <a:t>7M.</a:t>
+              <a:t>6W.</a:t>
             </a:r>
             <a:fld id="{B5B77044-B6D2-4171-A09C-C512413DA1DA}" type="slidenum">
               <a:rPr kumimoji="0" lang="en-US" sz="1000" b="0" i="0" u="none" strike="noStrike" kern="1200" cap="none" spc="0" normalizeH="0" baseline="0" noProof="0" smtClean="0">
@@ -4099,8 +4141,8 @@
         </p:nvSpPr>
         <p:spPr>
           <a:xfrm>
-            <a:off x="8276530" y="6583363"/>
-            <a:ext cx="867470" cy="276999"/>
+            <a:off x="8252410" y="6583363"/>
+            <a:ext cx="891590" cy="276999"/>
           </a:xfrm>
           <a:prstGeom prst="rect">
             <a:avLst/>
@@ -4119,7 +4161,11 @@
             </a:r>
             <a:r>
               <a:rPr lang="en-US" sz="1200" dirty="0" smtClean="0"/>
-              <a:t> 7M.</a:t>
+              <a:t> </a:t>
+            </a:r>
+            <a:r>
+              <a:rPr lang="en-US" sz="1200" dirty="0" smtClean="0"/>
+              <a:t>6W.</a:t>
             </a:r>
             <a:fld id="{19EC3EF5-AAAB-406F-8B8B-2285D28F7116}" type="slidenum">
               <a:rPr lang="en-US" sz="1200" smtClean="0"/>
@@ -5371,8 +5417,8 @@
         </p:nvSpPr>
         <p:spPr>
           <a:xfrm>
-            <a:off x="8301176" y="6583363"/>
-            <a:ext cx="842824" cy="276999"/>
+            <a:off x="8277056" y="6583363"/>
+            <a:ext cx="866944" cy="276999"/>
           </a:xfrm>
           <a:prstGeom prst="rect">
             <a:avLst/>
@@ -5391,7 +5437,11 @@
             </a:r>
             <a:r>
               <a:rPr lang="en-US" sz="1200" dirty="0" smtClean="0"/>
-              <a:t> 7M.</a:t>
+              <a:t> </a:t>
+            </a:r>
+            <a:r>
+              <a:rPr lang="en-US" sz="1200" dirty="0" smtClean="0"/>
+              <a:t>6W.</a:t>
             </a:r>
             <a:fld id="{19EC3EF5-AAAB-406F-8B8B-2285D28F7116}" type="slidenum">
               <a:rPr lang="en-US" sz="1200" smtClean="0"/>
@@ -5640,7 +5690,7 @@
           <a:graphicData uri="http://schemas.openxmlformats.org/presentationml/2006/ole">
             <mc:AlternateContent xmlns:mc="http://schemas.openxmlformats.org/markup-compatibility/2006">
               <mc:Choice xmlns:v="urn:schemas-microsoft-com:vml" Requires="v">
-                <p:oleObj spid="_x0000_s412692" name="Equation" r:id="rId4" imgW="584200" imgH="520700" progId="Equation.DSMT4">
+                <p:oleObj spid="_x0000_s412695" name="Equation" r:id="rId4" imgW="584200" imgH="520700" progId="Equation.DSMT4">
                   <p:embed/>
                 </p:oleObj>
               </mc:Choice>
@@ -6159,7 +6209,24 @@
                 <a:ea typeface="+mn-ea"/>
                 <a:cs typeface="+mn-cs"/>
               </a:rPr>
-              <a:t> 7M.</a:t>
+              <a:t> </a:t>
+            </a:r>
+            <a:r>
+              <a:rPr kumimoji="0" lang="en-US" sz="1000" b="0" i="0" u="none" strike="noStrike" kern="1200" cap="none" spc="0" normalizeH="0" baseline="0" noProof="0" dirty="0" smtClean="0">
+                <a:ln>
+                  <a:noFill/>
+                </a:ln>
+                <a:solidFill>
+                  <a:schemeClr val="tx1"/>
+                </a:solidFill>
+                <a:effectLst/>
+                <a:uLnTx/>
+                <a:uFillTx/>
+                <a:latin typeface="+mj-lt"/>
+                <a:ea typeface="+mn-ea"/>
+                <a:cs typeface="+mn-cs"/>
+              </a:rPr>
+              <a:t>6W.</a:t>
             </a:r>
             <a:fld id="{B5B77044-B6D2-4171-A09C-C512413DA1DA}" type="slidenum">
               <a:rPr kumimoji="0" lang="en-US" sz="1000" b="0" i="0" u="none" strike="noStrike" kern="1200" cap="none" spc="0" normalizeH="0" baseline="0" noProof="0" smtClean="0">
@@ -7035,7 +7102,7 @@
           <a:graphicData uri="http://schemas.openxmlformats.org/presentationml/2006/ole">
             <mc:AlternateContent xmlns:mc="http://schemas.openxmlformats.org/markup-compatibility/2006">
               <mc:Choice xmlns:v="urn:schemas-microsoft-com:vml" Requires="v">
-                <p:oleObj spid="_x0000_s401429" name="Equation" r:id="rId4" imgW="914400" imgH="198720" progId="Equation.DSMT4">
+                <p:oleObj spid="_x0000_s401432" name="Equation" r:id="rId4" imgW="914400" imgH="198720" progId="Equation.DSMT4">
                   <p:embed/>
                 </p:oleObj>
               </mc:Choice>
@@ -7686,7 +7753,24 @@
                 <a:ea typeface="+mn-ea"/>
                 <a:cs typeface="+mn-cs"/>
               </a:rPr>
-              <a:t> 7M.</a:t>
+              <a:t> </a:t>
+            </a:r>
+            <a:r>
+              <a:rPr kumimoji="0" lang="en-US" sz="1000" b="0" i="0" u="none" strike="noStrike" kern="1200" cap="none" spc="0" normalizeH="0" baseline="0" noProof="0" dirty="0" smtClean="0">
+                <a:ln>
+                  <a:noFill/>
+                </a:ln>
+                <a:solidFill>
+                  <a:schemeClr val="tx1"/>
+                </a:solidFill>
+                <a:effectLst/>
+                <a:uLnTx/>
+                <a:uFillTx/>
+                <a:latin typeface="+mj-lt"/>
+                <a:ea typeface="+mn-ea"/>
+                <a:cs typeface="+mn-cs"/>
+              </a:rPr>
+              <a:t>6W.</a:t>
             </a:r>
             <a:fld id="{B5B77044-B6D2-4171-A09C-C512413DA1DA}" type="slidenum">
               <a:rPr kumimoji="0" lang="en-US" sz="1000" b="0" i="0" u="none" strike="noStrike" kern="1200" cap="none" spc="0" normalizeH="0" baseline="0" noProof="0" smtClean="0">
@@ -8088,8 +8172,8 @@
         </p:nvSpPr>
         <p:spPr>
           <a:xfrm>
-            <a:off x="8345810" y="6583363"/>
-            <a:ext cx="798190" cy="276999"/>
+            <a:off x="8252410" y="6583363"/>
+            <a:ext cx="891590" cy="276999"/>
           </a:xfrm>
           <a:prstGeom prst="rect">
             <a:avLst/>
@@ -8108,7 +8192,11 @@
             </a:r>
             <a:r>
               <a:rPr lang="en-US" sz="1200" dirty="0" smtClean="0"/>
-              <a:t> 7M.</a:t>
+              <a:t> </a:t>
+            </a:r>
+            <a:r>
+              <a:rPr lang="en-US" sz="1200" dirty="0" smtClean="0"/>
+              <a:t>6W.</a:t>
             </a:r>
             <a:fld id="{19EC3EF5-AAAB-406F-8B8B-2285D28F7116}" type="slidenum">
               <a:rPr lang="en-US" sz="1200" smtClean="0"/>
@@ -8230,29 +8318,8 @@
                   <a:srgbClr val="0033CC"/>
                 </a:solidFill>
               </a:rPr>
-              <a:t>length </a:t>
-            </a:r>
-            <a:r>
-              <a:rPr lang="en-US" dirty="0" smtClean="0">
-                <a:solidFill>
-                  <a:srgbClr val="0033CC"/>
-                </a:solidFill>
-              </a:rPr>
-              <a:t>closed walk </a:t>
-            </a:r>
-            <a:r>
-              <a:rPr lang="en-US" dirty="0" smtClean="0">
-                <a:solidFill>
-                  <a:srgbClr val="0033CC"/>
-                </a:solidFill>
-              </a:rPr>
-              <a:t>containing a </a:t>
-            </a:r>
-            <a:endParaRPr lang="en-US" dirty="0" smtClean="0">
-              <a:solidFill>
-                <a:srgbClr val="0033CC"/>
-              </a:solidFill>
-            </a:endParaRPr>
+              <a:t>length closed walk containing a </a:t>
+            </a:r>
           </a:p>
           <a:p>
             <a:pPr eaLnBrk="1" hangingPunct="1">
@@ -8268,15 +8335,7 @@
                   <a:srgbClr val="0033CC"/>
                 </a:solidFill>
               </a:rPr>
-              <a:t>vertex is </a:t>
-            </a:r>
-            <a:r>
-              <a:rPr lang="en-US" dirty="0" smtClean="0">
-                <a:solidFill>
-                  <a:srgbClr val="0033CC"/>
-                </a:solidFill>
-              </a:rPr>
-              <a:t>a pos. length cycle!</a:t>
+              <a:t>vertex is a pos. length cycle!</a:t>
             </a:r>
           </a:p>
           <a:p>
@@ -8951,7 +9010,24 @@
                 <a:ea typeface="+mn-ea"/>
                 <a:cs typeface="+mn-cs"/>
               </a:rPr>
-              <a:t> 7M.</a:t>
+              <a:t> </a:t>
+            </a:r>
+            <a:r>
+              <a:rPr kumimoji="0" lang="en-US" sz="1000" b="0" i="0" u="none" strike="noStrike" kern="1200" cap="none" spc="0" normalizeH="0" baseline="0" noProof="0" dirty="0" smtClean="0">
+                <a:ln>
+                  <a:noFill/>
+                </a:ln>
+                <a:solidFill>
+                  <a:schemeClr val="tx1"/>
+                </a:solidFill>
+                <a:effectLst/>
+                <a:uLnTx/>
+                <a:uFillTx/>
+                <a:latin typeface="+mj-lt"/>
+                <a:ea typeface="+mn-ea"/>
+                <a:cs typeface="+mn-cs"/>
+              </a:rPr>
+              <a:t>6W.</a:t>
             </a:r>
             <a:fld id="{B5B77044-B6D2-4171-A09C-C512413DA1DA}" type="slidenum">
               <a:rPr kumimoji="0" lang="en-US" sz="1000" b="0" i="0" u="none" strike="noStrike" kern="1200" cap="none" spc="0" normalizeH="0" baseline="0" noProof="0" smtClean="0">
@@ -9522,7 +9598,24 @@
                 <a:ea typeface="+mn-ea"/>
                 <a:cs typeface="+mn-cs"/>
               </a:rPr>
-              <a:t> 7M.</a:t>
+              <a:t> </a:t>
+            </a:r>
+            <a:r>
+              <a:rPr kumimoji="0" lang="en-US" sz="1000" b="0" i="0" u="none" strike="noStrike" kern="1200" cap="none" spc="0" normalizeH="0" baseline="0" noProof="0" dirty="0" smtClean="0">
+                <a:ln>
+                  <a:noFill/>
+                </a:ln>
+                <a:solidFill>
+                  <a:schemeClr val="tx1"/>
+                </a:solidFill>
+                <a:effectLst/>
+                <a:uLnTx/>
+                <a:uFillTx/>
+                <a:latin typeface="+mj-lt"/>
+                <a:ea typeface="+mn-ea"/>
+                <a:cs typeface="+mn-cs"/>
+              </a:rPr>
+              <a:t>6W.</a:t>
             </a:r>
             <a:fld id="{B5B77044-B6D2-4171-A09C-C512413DA1DA}" type="slidenum">
               <a:rPr kumimoji="0" lang="en-US" sz="1000" b="0" i="0" u="none" strike="noStrike" kern="1200" cap="none" spc="0" normalizeH="0" baseline="0" noProof="0" smtClean="0">
@@ -10825,8 +10918,8 @@
         </p:nvSpPr>
         <p:spPr bwMode="auto">
           <a:xfrm>
-            <a:off x="8390337" y="6553200"/>
-            <a:ext cx="753669" cy="246221"/>
+            <a:off x="8369435" y="6553200"/>
+            <a:ext cx="774571" cy="246221"/>
           </a:xfrm>
           <a:prstGeom prst="rect">
             <a:avLst/>
@@ -10898,7 +10991,24 @@
                 <a:ea typeface="+mn-ea"/>
                 <a:cs typeface="+mn-cs"/>
               </a:rPr>
-              <a:t> 7M.</a:t>
+              <a:t> </a:t>
+            </a:r>
+            <a:r>
+              <a:rPr kumimoji="0" lang="en-US" sz="1000" b="0" i="0" u="none" strike="noStrike" kern="1200" cap="none" spc="0" normalizeH="0" baseline="0" noProof="0" dirty="0" smtClean="0">
+                <a:ln>
+                  <a:noFill/>
+                </a:ln>
+                <a:solidFill>
+                  <a:schemeClr val="tx1"/>
+                </a:solidFill>
+                <a:effectLst/>
+                <a:uLnTx/>
+                <a:uFillTx/>
+                <a:latin typeface="+mj-lt"/>
+                <a:ea typeface="+mn-ea"/>
+                <a:cs typeface="+mn-cs"/>
+              </a:rPr>
+              <a:t>6W.</a:t>
             </a:r>
             <a:fld id="{B5B77044-B6D2-4171-A09C-C512413DA1DA}" type="slidenum">
               <a:rPr kumimoji="0" lang="en-US" sz="1000" b="0" i="0" u="none" strike="noStrike" kern="1200" cap="none" spc="0" normalizeH="0" baseline="0" noProof="0" smtClean="0">
@@ -12733,8 +12843,8 @@
         </p:nvSpPr>
         <p:spPr bwMode="auto">
           <a:xfrm>
-            <a:off x="8390337" y="6553200"/>
-            <a:ext cx="753669" cy="246221"/>
+            <a:off x="8370236" y="6553200"/>
+            <a:ext cx="773770" cy="246221"/>
           </a:xfrm>
           <a:prstGeom prst="rect">
             <a:avLst/>
@@ -12806,7 +12916,24 @@
                 <a:ea typeface="+mn-ea"/>
                 <a:cs typeface="+mn-cs"/>
               </a:rPr>
-              <a:t> 7M.</a:t>
+              <a:t> </a:t>
+            </a:r>
+            <a:r>
+              <a:rPr kumimoji="0" lang="en-US" sz="1000" b="0" i="0" u="none" strike="noStrike" kern="1200" cap="none" spc="0" normalizeH="0" baseline="0" noProof="0" dirty="0" smtClean="0">
+                <a:ln>
+                  <a:noFill/>
+                </a:ln>
+                <a:solidFill>
+                  <a:schemeClr val="tx1"/>
+                </a:solidFill>
+                <a:effectLst/>
+                <a:uLnTx/>
+                <a:uFillTx/>
+                <a:latin typeface="+mj-lt"/>
+                <a:ea typeface="+mn-ea"/>
+                <a:cs typeface="+mn-cs"/>
+              </a:rPr>
+              <a:t>6W.</a:t>
             </a:r>
             <a:fld id="{B5B77044-B6D2-4171-A09C-C512413DA1DA}" type="slidenum">
               <a:rPr kumimoji="0" lang="en-US" sz="1000" b="0" i="0" u="none" strike="noStrike" kern="1200" cap="none" spc="0" normalizeH="0" baseline="0" noProof="0" smtClean="0">
@@ -13745,130 +13872,6 @@
 </p:sld>
 </file>
 
-<file path=ppt/slides/slide19.xml><?xml version="1.0" encoding="utf-8"?>
-<p:sld xmlns:a="http://schemas.openxmlformats.org/drawingml/2006/main" xmlns:r="http://schemas.openxmlformats.org/officeDocument/2006/relationships" xmlns:p="http://schemas.openxmlformats.org/presentationml/2006/main">
-  <p:cSld>
-    <p:spTree>
-      <p:nvGrpSpPr>
-        <p:cNvPr id="1" name=""/>
-        <p:cNvGrpSpPr/>
-        <p:nvPr/>
-      </p:nvGrpSpPr>
-      <p:grpSpPr>
-        <a:xfrm>
-          <a:off x="0" y="0"/>
-          <a:ext cx="0" cy="0"/>
-          <a:chOff x="0" y="0"/>
-          <a:chExt cx="0" cy="0"/>
-        </a:xfrm>
-      </p:grpSpPr>
-      <p:sp>
-        <p:nvSpPr>
-          <p:cNvPr id="3" name="Content Placeholder 2"/>
-          <p:cNvSpPr>
-            <a:spLocks noGrp="1"/>
-          </p:cNvSpPr>
-          <p:nvPr>
-            <p:ph idx="1"/>
-          </p:nvPr>
-        </p:nvSpPr>
-        <p:spPr>
-          <a:xfrm>
-            <a:off x="1447800" y="1752600"/>
-            <a:ext cx="6096000" cy="3352800"/>
-          </a:xfrm>
-        </p:spPr>
-        <p:txBody>
-          <a:bodyPr/>
-          <a:lstStyle/>
-          <a:p>
-            <a:pPr algn="ctr"/>
-            <a:r>
-              <a:rPr lang="en-US" sz="9600" dirty="0" smtClean="0"/>
-              <a:t>Problems</a:t>
-            </a:r>
-          </a:p>
-          <a:p>
-            <a:pPr algn="ctr"/>
-            <a:r>
-              <a:rPr lang="en-US" sz="9600" dirty="0" smtClean="0"/>
-              <a:t>1 </a:t>
-            </a:r>
-            <a:r>
-              <a:rPr lang="en-US" sz="9600" dirty="0" smtClean="0">
-                <a:latin typeface="Euclid Symbol" charset="2"/>
-                <a:cs typeface="Euclid Symbol" charset="2"/>
-              </a:rPr>
-              <a:t>-</a:t>
-            </a:r>
-            <a:r>
-              <a:rPr lang="en-US" sz="9600" dirty="0" smtClean="0"/>
-              <a:t> 3</a:t>
-            </a:r>
-            <a:endParaRPr lang="en-US" sz="9600" dirty="0"/>
-          </a:p>
-        </p:txBody>
-      </p:sp>
-      <p:sp>
-        <p:nvSpPr>
-          <p:cNvPr id="4" name="Slide Number Placeholder 3"/>
-          <p:cNvSpPr>
-            <a:spLocks noGrp="1"/>
-          </p:cNvSpPr>
-          <p:nvPr>
-            <p:ph type="sldNum" sz="quarter" idx="4"/>
-          </p:nvPr>
-        </p:nvSpPr>
-        <p:spPr>
-          <a:xfrm>
-            <a:off x="8342708" y="6553200"/>
-            <a:ext cx="753669" cy="246221"/>
-          </a:xfrm>
-        </p:spPr>
-        <p:txBody>
-          <a:bodyPr/>
-          <a:lstStyle/>
-          <a:p>
-            <a:pPr>
-              <a:defRPr/>
-            </a:pPr>
-            <a:r>
-              <a:rPr lang="en-US" dirty="0" err="1" smtClean="0"/>
-              <a:t>lec</a:t>
-            </a:r>
-            <a:r>
-              <a:rPr lang="en-US" dirty="0" smtClean="0"/>
-              <a:t> 7M.</a:t>
-            </a:r>
-            <a:fld id="{D7F2FC53-1536-41A9-A9C1-2199CF803E30}" type="slidenum">
-              <a:rPr lang="en-US" smtClean="0"/>
-              <a:pPr>
-                <a:defRPr/>
-              </a:pPr>
-              <a:t>19</a:t>
-            </a:fld>
-            <a:endParaRPr lang="en-US" dirty="0"/>
-          </a:p>
-        </p:txBody>
-      </p:sp>
-    </p:spTree>
-  </p:cSld>
-  <p:clrMapOvr>
-    <a:masterClrMapping/>
-  </p:clrMapOvr>
-  <p:transition xmlns:p14="http://schemas.microsoft.com/office/powerpoint/2010/main" spd="slow">
-    <p:fade thruBlk="1"/>
-  </p:transition>
-  <p:timing>
-    <p:tnLst>
-      <p:par>
-        <p:cTn xmlns:p14="http://schemas.microsoft.com/office/powerpoint/2010/main" id="1" dur="indefinite" restart="never" nodeType="tmRoot"/>
-      </p:par>
-    </p:tnLst>
-  </p:timing>
-</p:sld>
-</file>
-
 <file path=ppt/slides/slide2.xml><?xml version="1.0" encoding="utf-8"?>
 <p:sld xmlns:a="http://schemas.openxmlformats.org/drawingml/2006/main" xmlns:r="http://schemas.openxmlformats.org/officeDocument/2006/relationships" xmlns:p="http://schemas.openxmlformats.org/presentationml/2006/main">
   <p:cSld>
@@ -14282,7 +14285,24 @@
                 <a:ea typeface="+mn-ea"/>
                 <a:cs typeface="+mn-cs"/>
               </a:rPr>
-              <a:t> 7M.</a:t>
+              <a:t> </a:t>
+            </a:r>
+            <a:r>
+              <a:rPr kumimoji="0" lang="en-US" sz="1000" b="0" i="0" u="none" strike="noStrike" kern="1200" cap="none" spc="0" normalizeH="0" baseline="0" noProof="0" dirty="0" smtClean="0">
+                <a:ln>
+                  <a:noFill/>
+                </a:ln>
+                <a:solidFill>
+                  <a:schemeClr val="tx1"/>
+                </a:solidFill>
+                <a:effectLst/>
+                <a:uLnTx/>
+                <a:uFillTx/>
+                <a:latin typeface="+mj-lt"/>
+                <a:ea typeface="+mn-ea"/>
+                <a:cs typeface="+mn-cs"/>
+              </a:rPr>
+              <a:t>6W.</a:t>
             </a:r>
             <a:fld id="{B5B77044-B6D2-4171-A09C-C512413DA1DA}" type="slidenum">
               <a:rPr kumimoji="0" lang="en-US" sz="1000" b="0" i="0" u="none" strike="noStrike" kern="1200" cap="none" spc="0" normalizeH="0" baseline="0" noProof="0" smtClean="0">
@@ -15144,7 +15164,24 @@
                 <a:ea typeface="+mn-ea"/>
                 <a:cs typeface="+mn-cs"/>
               </a:rPr>
-              <a:t> 7M.</a:t>
+              <a:t> </a:t>
+            </a:r>
+            <a:r>
+              <a:rPr kumimoji="0" lang="en-US" sz="1000" b="0" i="0" u="none" strike="noStrike" kern="1200" cap="none" spc="0" normalizeH="0" baseline="0" noProof="0" dirty="0" smtClean="0">
+                <a:ln>
+                  <a:noFill/>
+                </a:ln>
+                <a:solidFill>
+                  <a:schemeClr val="tx1"/>
+                </a:solidFill>
+                <a:effectLst/>
+                <a:uLnTx/>
+                <a:uFillTx/>
+                <a:latin typeface="+mj-lt"/>
+                <a:ea typeface="+mn-ea"/>
+                <a:cs typeface="+mn-cs"/>
+              </a:rPr>
+              <a:t>6W.</a:t>
             </a:r>
             <a:fld id="{B5B77044-B6D2-4171-A09C-C512413DA1DA}" type="slidenum">
               <a:rPr kumimoji="0" lang="en-US" sz="1000" b="0" i="0" u="none" strike="noStrike" kern="1200" cap="none" spc="0" normalizeH="0" baseline="0" noProof="0" smtClean="0">
@@ -15267,7 +15304,11 @@
             </a:r>
             <a:r>
               <a:rPr lang="en-US" dirty="0" smtClean="0"/>
-              <a:t> 7M.</a:t>
+              <a:t> </a:t>
+            </a:r>
+            <a:r>
+              <a:rPr lang="en-US" dirty="0" smtClean="0"/>
+              <a:t>6W.</a:t>
             </a:r>
             <a:fld id="{B5B77044-B6D2-4171-A09C-C512413DA1DA}" type="slidenum">
               <a:rPr lang="en-US" smtClean="0"/>
@@ -15547,7 +15588,7 @@
           <a:graphicData uri="http://schemas.openxmlformats.org/presentationml/2006/ole">
             <mc:AlternateContent xmlns:mc="http://schemas.openxmlformats.org/markup-compatibility/2006">
               <mc:Choice xmlns:v="urn:schemas-microsoft-com:vml" Requires="v">
-                <p:oleObj spid="_x0000_s399380" name="Equation" r:id="rId4" imgW="914400" imgH="198720" progId="Equation.DSMT4">
+                <p:oleObj spid="_x0000_s399383" name="Equation" r:id="rId4" imgW="914400" imgH="198720" progId="Equation.DSMT4">
                   <p:embed/>
                 </p:oleObj>
               </mc:Choice>
@@ -16825,7 +16866,11 @@
             </a:r>
             <a:r>
               <a:rPr lang="en-US" dirty="0" smtClean="0"/>
-              <a:t> 7M.</a:t>
+              <a:t> </a:t>
+            </a:r>
+            <a:r>
+              <a:rPr lang="en-US" dirty="0" smtClean="0"/>
+              <a:t>6W.</a:t>
             </a:r>
             <a:fld id="{B5B77044-B6D2-4171-A09C-C512413DA1DA}" type="slidenum">
               <a:rPr lang="en-US" smtClean="0"/>
@@ -17044,7 +17089,11 @@
             </a:r>
             <a:r>
               <a:rPr lang="en-US" dirty="0" smtClean="0"/>
-              <a:t> 7M.</a:t>
+              <a:t> </a:t>
+            </a:r>
+            <a:r>
+              <a:rPr lang="en-US" dirty="0" smtClean="0"/>
+              <a:t>6W.</a:t>
             </a:r>
             <a:fld id="{B5B77044-B6D2-4171-A09C-C512413DA1DA}" type="slidenum">
               <a:rPr lang="en-US" smtClean="0"/>
@@ -17125,8 +17174,8 @@
         </p:nvSpPr>
         <p:spPr>
           <a:xfrm>
-            <a:off x="8389223" y="6583363"/>
-            <a:ext cx="697627" cy="246221"/>
+            <a:off x="8370814" y="6583363"/>
+            <a:ext cx="716036" cy="246221"/>
           </a:xfrm>
           <a:prstGeom prst="rect">
             <a:avLst/>
@@ -17142,7 +17191,11 @@
             </a:r>
             <a:r>
               <a:rPr lang="en-US" dirty="0" smtClean="0"/>
-              <a:t> 7M.</a:t>
+              <a:t> </a:t>
+            </a:r>
+            <a:r>
+              <a:rPr lang="en-US" dirty="0" smtClean="0"/>
+              <a:t>6W.</a:t>
             </a:r>
             <a:fld id="{BE7A7230-D7FA-4A89-AC00-9EF47009DD32}" type="slidenum">
               <a:rPr lang="en-US" smtClean="0"/>
@@ -19302,8 +19355,8 @@
         </p:nvSpPr>
         <p:spPr>
           <a:xfrm>
-            <a:off x="8390914" y="6583363"/>
-            <a:ext cx="695936" cy="246221"/>
+            <a:off x="8370814" y="6583363"/>
+            <a:ext cx="716036" cy="246221"/>
           </a:xfrm>
           <a:prstGeom prst="rect">
             <a:avLst/>
@@ -19319,7 +19372,11 @@
             </a:r>
             <a:r>
               <a:rPr lang="en-US" dirty="0" smtClean="0"/>
-              <a:t> 7M.</a:t>
+              <a:t> </a:t>
+            </a:r>
+            <a:r>
+              <a:rPr lang="en-US" dirty="0" smtClean="0"/>
+              <a:t>6W.</a:t>
             </a:r>
             <a:fld id="{BE7A7230-D7FA-4A89-AC00-9EF47009DD32}" type="slidenum">
               <a:rPr lang="en-US" smtClean="0"/>
@@ -21149,8 +21206,8 @@
         </p:nvSpPr>
         <p:spPr>
           <a:xfrm>
-            <a:off x="8345810" y="6583363"/>
-            <a:ext cx="798190" cy="276999"/>
+            <a:off x="8321690" y="6583363"/>
+            <a:ext cx="822310" cy="276999"/>
           </a:xfrm>
           <a:prstGeom prst="rect">
             <a:avLst/>
@@ -21169,7 +21226,11 @@
             </a:r>
             <a:r>
               <a:rPr lang="en-US" sz="1200" dirty="0" smtClean="0"/>
-              <a:t> 7M.</a:t>
+              <a:t> </a:t>
+            </a:r>
+            <a:r>
+              <a:rPr lang="en-US" sz="1200" dirty="0" smtClean="0"/>
+              <a:t>6W.</a:t>
             </a:r>
             <a:fld id="{19EC3EF5-AAAB-406F-8B8B-2285D28F7116}" type="slidenum">
               <a:rPr lang="en-US" sz="1200" smtClean="0"/>

--- a/spring12/slidesS12/dags.pptx
+++ b/spring12/slidesS12/dags.pptx
@@ -3047,12 +3047,6 @@
               </a:rPr>
               <a:t>Graphs</a:t>
             </a:r>
-            <a:endParaRPr lang="en-US" sz="8800" dirty="0" smtClean="0">
-              <a:solidFill>
-                <a:schemeClr val="tx2"/>
-              </a:solidFill>
-              <a:cs typeface="Arial" charset="0"/>
-            </a:endParaRPr>
           </a:p>
           <a:p>
             <a:pPr algn="ctr"/>
@@ -3063,7 +3057,16 @@
                 </a:solidFill>
                 <a:cs typeface="Arial" charset="0"/>
               </a:rPr>
-              <a:t>(Digraphs)</a:t>
+              <a:t>(</a:t>
+            </a:r>
+            <a:r>
+              <a:rPr lang="en-US" sz="8800" dirty="0" smtClean="0">
+                <a:solidFill>
+                  <a:schemeClr val="tx2"/>
+                </a:solidFill>
+                <a:cs typeface="Arial" charset="0"/>
+              </a:rPr>
+              <a:t>DAGs)</a:t>
             </a:r>
             <a:endParaRPr lang="en-US" sz="8800" dirty="0">
               <a:solidFill>
@@ -3413,7 +3416,6 @@
               <a:rPr lang="en-US" sz="6000" dirty="0" smtClean="0"/>
               <a:t>only repeat vertex is </a:t>
             </a:r>
-            <a:endParaRPr lang="en-US" sz="6000" dirty="0" smtClean="0"/>
           </a:p>
           <a:p>
             <a:pPr>
@@ -3422,17 +3424,8 @@
             </a:pPr>
             <a:r>
               <a:rPr lang="en-US" sz="6000" dirty="0" smtClean="0"/>
-              <a:t>its start </a:t>
-            </a:r>
-            <a:r>
-              <a:rPr lang="en-US" sz="6000" dirty="0" smtClean="0"/>
-              <a:t>&amp; end</a:t>
-            </a:r>
-            <a:r>
-              <a:rPr lang="en-US" sz="6000" dirty="0" smtClean="0"/>
-              <a:t>.</a:t>
-            </a:r>
-            <a:endParaRPr lang="en-US" sz="6000" dirty="0" smtClean="0"/>
+              <a:t>its start &amp; end.</a:t>
+            </a:r>
           </a:p>
         </p:txBody>
       </p:sp>
@@ -5508,7 +5501,6 @@
               <a:rPr lang="en-US" sz="4800" dirty="0" smtClean="0"/>
               <a:t> starts &amp; ends at </a:t>
             </a:r>
-            <a:endParaRPr lang="en-US" sz="4800" dirty="0" smtClean="0"/>
           </a:p>
           <a:p>
             <a:pPr eaLnBrk="1" hangingPunct="1">
@@ -5520,11 +5512,7 @@
             </a:pPr>
             <a:r>
               <a:rPr lang="en-US" sz="4800" dirty="0" smtClean="0"/>
-              <a:t>the same </a:t>
-            </a:r>
-            <a:r>
-              <a:rPr lang="en-US" sz="4800" dirty="0" smtClean="0"/>
-              <a:t>vertex.</a:t>
+              <a:t>the same vertex.</a:t>
             </a:r>
             <a:endParaRPr lang="en-US" sz="4800" dirty="0"/>
           </a:p>
@@ -5587,23 +5575,11 @@
                   <a:srgbClr val="FF00FF"/>
                 </a:solidFill>
               </a:rPr>
-              <a:t>closed </a:t>
-            </a:r>
-            <a:r>
-              <a:rPr lang="en-US" sz="4800" dirty="0" smtClean="0">
-                <a:solidFill>
-                  <a:srgbClr val="FF00FF"/>
-                </a:solidFill>
-              </a:rPr>
-              <a:t>walk</a:t>
+              <a:t>closed walk</a:t>
             </a:r>
             <a:r>
               <a:rPr lang="en-US" sz="4800" dirty="0" smtClean="0"/>
-              <a:t> </a:t>
-            </a:r>
-            <a:r>
-              <a:rPr lang="en-US" sz="4800" dirty="0" smtClean="0"/>
-              <a:t>from </a:t>
+              <a:t> from </a:t>
             </a:r>
             <a:r>
               <a:rPr lang="en-US" sz="4800" dirty="0" smtClean="0">
@@ -5698,21 +5674,8 @@
                   <a:srgbClr val="000000"/>
                 </a:solidFill>
               </a:rPr>
-              <a:t> </a:t>
-            </a:r>
-            <a:r>
-              <a:rPr lang="en-US" sz="4400" dirty="0" smtClean="0">
-                <a:solidFill>
-                  <a:srgbClr val="000000"/>
-                </a:solidFill>
-              </a:rPr>
-              <a:t>like shortest walk is path</a:t>
-            </a:r>
-            <a:endParaRPr lang="en-US" sz="4400" dirty="0" smtClean="0">
-              <a:solidFill>
-                <a:srgbClr val="000000"/>
-              </a:solidFill>
-            </a:endParaRPr>
+              <a:t> like shortest walk is path</a:t>
+            </a:r>
           </a:p>
         </p:txBody>
       </p:sp>
@@ -5738,11 +5701,7 @@
           <a:p>
             <a:r>
               <a:rPr lang="en-US" sz="4800" dirty="0" smtClean="0"/>
-              <a:t>Closed </a:t>
-            </a:r>
-            <a:r>
-              <a:rPr lang="en-US" sz="4800" dirty="0" smtClean="0"/>
-              <a:t>Walks</a:t>
+              <a:t>Closed Walks</a:t>
             </a:r>
             <a:endParaRPr lang="en-US" sz="4800" dirty="0"/>
           </a:p>
